--- a/AdityaSharma_MongoDB_FIFA.pptx
+++ b/AdityaSharma_MongoDB_FIFA.pptx
@@ -30,15 +30,15 @@
   <p:notesSz cx="6858000" cy="9144000"/>
   <p:embeddedFontLst>
     <p:embeddedFont>
-      <p:font typeface="Kollektif Bold" panose="020B0604020202020204" charset="0"/>
+      <p:font typeface="Calibri" panose="020F0502020204030204" pitchFamily="34" charset="0"/>
       <p:regular r:id="rId22"/>
+      <p:bold r:id="rId23"/>
+      <p:italic r:id="rId24"/>
+      <p:boldItalic r:id="rId25"/>
     </p:embeddedFont>
     <p:embeddedFont>
-      <p:font typeface="Calibri" panose="020F0502020204030204" pitchFamily="34" charset="0"/>
-      <p:regular r:id="rId23"/>
-      <p:bold r:id="rId24"/>
-      <p:italic r:id="rId25"/>
-      <p:boldItalic r:id="rId26"/>
+      <p:font typeface="Kollektif Bold" panose="020B0604020202020204" charset="0"/>
+      <p:regular r:id="rId26"/>
     </p:embeddedFont>
     <p:embeddedFont>
       <p:font typeface="Canva Sans Bold" panose="020B0604020202020204" charset="0"/>
@@ -341,7 +341,7 @@
             <a:fld id="{1D8BD707-D9CF-40AE-B4C6-C98DA3205C09}" type="datetimeFigureOut">
               <a:rPr lang="en-US" smtClean="0"/>
               <a:pPr/>
-              <a:t>7/13/2024</a:t>
+              <a:t>7/14/2024</a:t>
             </a:fld>
             <a:endParaRPr lang="en-US"/>
           </a:p>
@@ -508,7 +508,7 @@
             <a:fld id="{1D8BD707-D9CF-40AE-B4C6-C98DA3205C09}" type="datetimeFigureOut">
               <a:rPr lang="en-US" smtClean="0"/>
               <a:pPr/>
-              <a:t>7/13/2024</a:t>
+              <a:t>7/14/2024</a:t>
             </a:fld>
             <a:endParaRPr lang="en-US"/>
           </a:p>
@@ -685,7 +685,7 @@
             <a:fld id="{1D8BD707-D9CF-40AE-B4C6-C98DA3205C09}" type="datetimeFigureOut">
               <a:rPr lang="en-US" smtClean="0"/>
               <a:pPr/>
-              <a:t>7/13/2024</a:t>
+              <a:t>7/14/2024</a:t>
             </a:fld>
             <a:endParaRPr lang="en-US"/>
           </a:p>
@@ -852,7 +852,7 @@
             <a:fld id="{1D8BD707-D9CF-40AE-B4C6-C98DA3205C09}" type="datetimeFigureOut">
               <a:rPr lang="en-US" smtClean="0"/>
               <a:pPr/>
-              <a:t>7/13/2024</a:t>
+              <a:t>7/14/2024</a:t>
             </a:fld>
             <a:endParaRPr lang="en-US"/>
           </a:p>
@@ -1095,7 +1095,7 @@
             <a:fld id="{1D8BD707-D9CF-40AE-B4C6-C98DA3205C09}" type="datetimeFigureOut">
               <a:rPr lang="en-US" smtClean="0"/>
               <a:pPr/>
-              <a:t>7/13/2024</a:t>
+              <a:t>7/14/2024</a:t>
             </a:fld>
             <a:endParaRPr lang="en-US"/>
           </a:p>
@@ -1380,7 +1380,7 @@
             <a:fld id="{1D8BD707-D9CF-40AE-B4C6-C98DA3205C09}" type="datetimeFigureOut">
               <a:rPr lang="en-US" smtClean="0"/>
               <a:pPr/>
-              <a:t>7/13/2024</a:t>
+              <a:t>7/14/2024</a:t>
             </a:fld>
             <a:endParaRPr lang="en-US"/>
           </a:p>
@@ -1799,7 +1799,7 @@
             <a:fld id="{1D8BD707-D9CF-40AE-B4C6-C98DA3205C09}" type="datetimeFigureOut">
               <a:rPr lang="en-US" smtClean="0"/>
               <a:pPr/>
-              <a:t>7/13/2024</a:t>
+              <a:t>7/14/2024</a:t>
             </a:fld>
             <a:endParaRPr lang="en-US"/>
           </a:p>
@@ -1914,7 +1914,7 @@
             <a:fld id="{1D8BD707-D9CF-40AE-B4C6-C98DA3205C09}" type="datetimeFigureOut">
               <a:rPr lang="en-US" smtClean="0"/>
               <a:pPr/>
-              <a:t>7/13/2024</a:t>
+              <a:t>7/14/2024</a:t>
             </a:fld>
             <a:endParaRPr lang="en-US"/>
           </a:p>
@@ -2006,7 +2006,7 @@
             <a:fld id="{1D8BD707-D9CF-40AE-B4C6-C98DA3205C09}" type="datetimeFigureOut">
               <a:rPr lang="en-US" smtClean="0"/>
               <a:pPr/>
-              <a:t>7/13/2024</a:t>
+              <a:t>7/14/2024</a:t>
             </a:fld>
             <a:endParaRPr lang="en-US"/>
           </a:p>
@@ -2280,7 +2280,7 @@
             <a:fld id="{1D8BD707-D9CF-40AE-B4C6-C98DA3205C09}" type="datetimeFigureOut">
               <a:rPr lang="en-US" smtClean="0"/>
               <a:pPr/>
-              <a:t>7/13/2024</a:t>
+              <a:t>7/14/2024</a:t>
             </a:fld>
             <a:endParaRPr lang="en-US"/>
           </a:p>
@@ -2530,7 +2530,7 @@
             <a:fld id="{1D8BD707-D9CF-40AE-B4C6-C98DA3205C09}" type="datetimeFigureOut">
               <a:rPr lang="en-US" smtClean="0"/>
               <a:pPr/>
-              <a:t>7/13/2024</a:t>
+              <a:t>7/14/2024</a:t>
             </a:fld>
             <a:endParaRPr lang="en-US"/>
           </a:p>
@@ -2740,7 +2740,7 @@
             <a:fld id="{1D8BD707-D9CF-40AE-B4C6-C98DA3205C09}" type="datetimeFigureOut">
               <a:rPr lang="en-US" smtClean="0"/>
               <a:pPr/>
-              <a:t>7/13/2024</a:t>
+              <a:t>7/14/2024</a:t>
             </a:fld>
             <a:endParaRPr lang="en-US"/>
           </a:p>
@@ -3290,7 +3290,7 @@
             <a:blip r:embed="rId2">
               <a:extLst>
                 <a:ext uri="{96DAC541-7B7A-43D3-8B79-37D633B846F1}">
-                  <asvg:svgBlip xmlns:asvg="http://schemas.microsoft.com/office/drawing/2016/SVG/main" xmlns="" r:embed="rId3"/>
+                  <asvg:svgBlip xmlns="" xmlns:asvg="http://schemas.microsoft.com/office/drawing/2016/SVG/main" r:embed="rId3"/>
                 </a:ext>
               </a:extLst>
             </a:blip>
@@ -3342,7 +3342,7 @@
             <a:blip r:embed="rId4">
               <a:extLst>
                 <a:ext uri="{96DAC541-7B7A-43D3-8B79-37D633B846F1}">
-                  <asvg:svgBlip xmlns:asvg="http://schemas.microsoft.com/office/drawing/2016/SVG/main" xmlns="" r:embed="rId5"/>
+                  <asvg:svgBlip xmlns="" xmlns:asvg="http://schemas.microsoft.com/office/drawing/2016/SVG/main" r:embed="rId5"/>
                 </a:ext>
               </a:extLst>
             </a:blip>
@@ -3394,7 +3394,7 @@
             <a:blip r:embed="rId6">
               <a:extLst>
                 <a:ext uri="{96DAC541-7B7A-43D3-8B79-37D633B846F1}">
-                  <asvg:svgBlip xmlns:asvg="http://schemas.microsoft.com/office/drawing/2016/SVG/main" xmlns="" r:embed="rId7"/>
+                  <asvg:svgBlip xmlns="" xmlns:asvg="http://schemas.microsoft.com/office/drawing/2016/SVG/main" r:embed="rId7"/>
                 </a:ext>
               </a:extLst>
             </a:blip>
@@ -3446,7 +3446,7 @@
             <a:blip r:embed="rId6">
               <a:extLst>
                 <a:ext uri="{96DAC541-7B7A-43D3-8B79-37D633B846F1}">
-                  <asvg:svgBlip xmlns:asvg="http://schemas.microsoft.com/office/drawing/2016/SVG/main" xmlns="" r:embed="rId7"/>
+                  <asvg:svgBlip xmlns="" xmlns:asvg="http://schemas.microsoft.com/office/drawing/2016/SVG/main" r:embed="rId7"/>
                 </a:ext>
               </a:extLst>
             </a:blip>
@@ -3498,7 +3498,7 @@
             <a:blip r:embed="rId8">
               <a:extLst>
                 <a:ext uri="{96DAC541-7B7A-43D3-8B79-37D633B846F1}">
-                  <asvg:svgBlip xmlns:asvg="http://schemas.microsoft.com/office/drawing/2016/SVG/main" xmlns="" r:embed="rId9"/>
+                  <asvg:svgBlip xmlns="" xmlns:asvg="http://schemas.microsoft.com/office/drawing/2016/SVG/main" r:embed="rId9"/>
                 </a:ext>
               </a:extLst>
             </a:blip>
@@ -3550,7 +3550,7 @@
             <a:blip r:embed="rId6">
               <a:extLst>
                 <a:ext uri="{96DAC541-7B7A-43D3-8B79-37D633B846F1}">
-                  <asvg:svgBlip xmlns:asvg="http://schemas.microsoft.com/office/drawing/2016/SVG/main" xmlns="" r:embed="rId7"/>
+                  <asvg:svgBlip xmlns="" xmlns:asvg="http://schemas.microsoft.com/office/drawing/2016/SVG/main" r:embed="rId7"/>
                 </a:ext>
               </a:extLst>
             </a:blip>
@@ -3602,7 +3602,7 @@
             <a:blip r:embed="rId8">
               <a:extLst>
                 <a:ext uri="{96DAC541-7B7A-43D3-8B79-37D633B846F1}">
-                  <asvg:svgBlip xmlns:asvg="http://schemas.microsoft.com/office/drawing/2016/SVG/main" xmlns="" r:embed="rId9"/>
+                  <asvg:svgBlip xmlns="" xmlns:asvg="http://schemas.microsoft.com/office/drawing/2016/SVG/main" r:embed="rId9"/>
                 </a:ext>
               </a:extLst>
             </a:blip>
@@ -3654,7 +3654,7 @@
             <a:blip r:embed="rId4">
               <a:extLst>
                 <a:ext uri="{96DAC541-7B7A-43D3-8B79-37D633B846F1}">
-                  <asvg:svgBlip xmlns:asvg="http://schemas.microsoft.com/office/drawing/2016/SVG/main" xmlns="" r:embed="rId5"/>
+                  <asvg:svgBlip xmlns="" xmlns:asvg="http://schemas.microsoft.com/office/drawing/2016/SVG/main" r:embed="rId5"/>
                 </a:ext>
               </a:extLst>
             </a:blip>
@@ -3706,7 +3706,7 @@
             <a:blip r:embed="rId8">
               <a:extLst>
                 <a:ext uri="{96DAC541-7B7A-43D3-8B79-37D633B846F1}">
-                  <asvg:svgBlip xmlns:asvg="http://schemas.microsoft.com/office/drawing/2016/SVG/main" xmlns="" r:embed="rId9"/>
+                  <asvg:svgBlip xmlns="" xmlns:asvg="http://schemas.microsoft.com/office/drawing/2016/SVG/main" r:embed="rId9"/>
                 </a:ext>
               </a:extLst>
             </a:blip>
@@ -3758,7 +3758,7 @@
             <a:blip r:embed="rId6">
               <a:extLst>
                 <a:ext uri="{96DAC541-7B7A-43D3-8B79-37D633B846F1}">
-                  <asvg:svgBlip xmlns:asvg="http://schemas.microsoft.com/office/drawing/2016/SVG/main" xmlns="" r:embed="rId7"/>
+                  <asvg:svgBlip xmlns="" xmlns:asvg="http://schemas.microsoft.com/office/drawing/2016/SVG/main" r:embed="rId7"/>
                 </a:ext>
               </a:extLst>
             </a:blip>
@@ -4085,7 +4085,7 @@
         </p:nvSpPr>
         <p:spPr>
           <a:xfrm>
-            <a:off x="2985902" y="4073817"/>
+            <a:off x="2971776" y="4918240"/>
             <a:ext cx="2139367" cy="1900407"/>
           </a:xfrm>
           <a:custGeom>
@@ -4131,7 +4131,7 @@
         </p:nvSpPr>
         <p:spPr>
           <a:xfrm>
-            <a:off x="5125268" y="3910887"/>
+            <a:off x="5125269" y="4918240"/>
             <a:ext cx="8295113" cy="2111967"/>
           </a:xfrm>
           <a:prstGeom prst="rect">
@@ -4150,7 +4150,7 @@
               </a:lnSpc>
             </a:pPr>
             <a:r>
-              <a:rPr lang="en-US" sz="6099">
+              <a:rPr lang="en-US" sz="6099" dirty="0">
                 <a:solidFill>
                   <a:srgbClr val="7C2020"/>
                 </a:solidFill>
@@ -4169,7 +4169,7 @@
               </a:lnSpc>
             </a:pPr>
             <a:r>
-              <a:rPr lang="en-US" sz="6099">
+              <a:rPr lang="en-US" sz="6099" dirty="0">
                 <a:solidFill>
                   <a:srgbClr val="7C2020"/>
                 </a:solidFill>
@@ -4185,14 +4185,14 @@
       </p:sp>
       <p:sp>
         <p:nvSpPr>
-          <p:cNvPr id="29" name="TextBox 29"/>
+          <p:cNvPr id="30" name="TextBox 30"/>
           <p:cNvSpPr txBox="1"/>
           <p:nvPr/>
         </p:nvSpPr>
         <p:spPr>
           <a:xfrm>
-            <a:off x="118801" y="7581813"/>
-            <a:ext cx="10169701" cy="1419771"/>
+            <a:off x="6781800" y="8115300"/>
+            <a:ext cx="4338506" cy="1419771"/>
           </a:xfrm>
           <a:prstGeom prst="rect">
             <a:avLst/>
@@ -4210,67 +4210,7 @@
               </a:lnSpc>
             </a:pPr>
             <a:r>
-              <a:rPr lang="en-US" sz="4100">
-                <a:solidFill>
-                  <a:srgbClr val="FF5757"/>
-                </a:solidFill>
-                <a:latin typeface="Canva Sans Bold"/>
-                <a:ea typeface="Canva Sans Bold"/>
-                <a:cs typeface="Canva Sans Bold"/>
-                <a:sym typeface="Canva Sans Bold"/>
-              </a:rPr>
-              <a:t>SUBMITTED TO: MR. PRAJJAL DHAR SIR</a:t>
-            </a:r>
-          </a:p>
-          <a:p>
-            <a:pPr algn="ctr">
-              <a:lnSpc>
-                <a:spcPts val="5740"/>
-              </a:lnSpc>
-            </a:pPr>
-            <a:r>
-              <a:rPr lang="en-US" sz="4100">
-                <a:solidFill>
-                  <a:srgbClr val="FF5757"/>
-                </a:solidFill>
-                <a:latin typeface="Canva Sans Bold"/>
-                <a:ea typeface="Canva Sans Bold"/>
-                <a:cs typeface="Canva Sans Bold"/>
-                <a:sym typeface="Canva Sans Bold"/>
-              </a:rPr>
-              <a:t>(REGex Software Services)</a:t>
-            </a:r>
-          </a:p>
-        </p:txBody>
-      </p:sp>
-      <p:sp>
-        <p:nvSpPr>
-          <p:cNvPr id="30" name="TextBox 30"/>
-          <p:cNvSpPr txBox="1"/>
-          <p:nvPr/>
-        </p:nvSpPr>
-        <p:spPr>
-          <a:xfrm>
-            <a:off x="12920794" y="7581813"/>
-            <a:ext cx="4338506" cy="1419771"/>
-          </a:xfrm>
-          <a:prstGeom prst="rect">
-            <a:avLst/>
-          </a:prstGeom>
-        </p:spPr>
-        <p:txBody>
-          <a:bodyPr lIns="0" tIns="0" rIns="0" bIns="0" rtlCol="0" anchor="t">
-            <a:spAutoFit/>
-          </a:bodyPr>
-          <a:lstStyle/>
-          <a:p>
-            <a:pPr algn="ctr">
-              <a:lnSpc>
-                <a:spcPts val="5740"/>
-              </a:lnSpc>
-            </a:pPr>
-            <a:r>
-              <a:rPr lang="en-US" sz="4100">
+              <a:rPr lang="en-US" sz="4100" dirty="0">
                 <a:solidFill>
                   <a:srgbClr val="FF5757"/>
                 </a:solidFill>
@@ -4289,7 +4229,7 @@
               </a:lnSpc>
             </a:pPr>
             <a:r>
-              <a:rPr lang="en-US" sz="4100">
+              <a:rPr lang="en-US" sz="4100" dirty="0">
                 <a:solidFill>
                   <a:srgbClr val="FF5757"/>
                 </a:solidFill>
@@ -4574,7 +4514,7 @@
             <a:blip r:embed="rId2">
               <a:extLst>
                 <a:ext uri="{96DAC541-7B7A-43D3-8B79-37D633B846F1}">
-                  <asvg:svgBlip xmlns:asvg="http://schemas.microsoft.com/office/drawing/2016/SVG/main" xmlns="" r:embed="rId3"/>
+                  <asvg:svgBlip xmlns="" xmlns:asvg="http://schemas.microsoft.com/office/drawing/2016/SVG/main" r:embed="rId3"/>
                 </a:ext>
               </a:extLst>
             </a:blip>
@@ -4626,7 +4566,7 @@
             <a:blip r:embed="rId4">
               <a:extLst>
                 <a:ext uri="{96DAC541-7B7A-43D3-8B79-37D633B846F1}">
-                  <asvg:svgBlip xmlns:asvg="http://schemas.microsoft.com/office/drawing/2016/SVG/main" xmlns="" r:embed="rId5"/>
+                  <asvg:svgBlip xmlns="" xmlns:asvg="http://schemas.microsoft.com/office/drawing/2016/SVG/main" r:embed="rId5"/>
                 </a:ext>
               </a:extLst>
             </a:blip>
@@ -4678,7 +4618,7 @@
             <a:blip r:embed="rId4">
               <a:extLst>
                 <a:ext uri="{96DAC541-7B7A-43D3-8B79-37D633B846F1}">
-                  <asvg:svgBlip xmlns:asvg="http://schemas.microsoft.com/office/drawing/2016/SVG/main" xmlns="" r:embed="rId5"/>
+                  <asvg:svgBlip xmlns="" xmlns:asvg="http://schemas.microsoft.com/office/drawing/2016/SVG/main" r:embed="rId5"/>
                 </a:ext>
               </a:extLst>
             </a:blip>
@@ -4730,7 +4670,7 @@
             <a:blip r:embed="rId6">
               <a:extLst>
                 <a:ext uri="{96DAC541-7B7A-43D3-8B79-37D633B846F1}">
-                  <asvg:svgBlip xmlns:asvg="http://schemas.microsoft.com/office/drawing/2016/SVG/main" xmlns="" r:embed="rId7"/>
+                  <asvg:svgBlip xmlns="" xmlns:asvg="http://schemas.microsoft.com/office/drawing/2016/SVG/main" r:embed="rId7"/>
                 </a:ext>
               </a:extLst>
             </a:blip>
@@ -4782,7 +4722,7 @@
             <a:blip r:embed="rId2">
               <a:extLst>
                 <a:ext uri="{96DAC541-7B7A-43D3-8B79-37D633B846F1}">
-                  <asvg:svgBlip xmlns:asvg="http://schemas.microsoft.com/office/drawing/2016/SVG/main" xmlns="" r:embed="rId3"/>
+                  <asvg:svgBlip xmlns="" xmlns:asvg="http://schemas.microsoft.com/office/drawing/2016/SVG/main" r:embed="rId3"/>
                 </a:ext>
               </a:extLst>
             </a:blip>
@@ -5630,7 +5570,7 @@
             <a:blip r:embed="rId2">
               <a:extLst>
                 <a:ext uri="{96DAC541-7B7A-43D3-8B79-37D633B846F1}">
-                  <asvg:svgBlip xmlns:asvg="http://schemas.microsoft.com/office/drawing/2016/SVG/main" xmlns="" r:embed="rId3"/>
+                  <asvg:svgBlip xmlns="" xmlns:asvg="http://schemas.microsoft.com/office/drawing/2016/SVG/main" r:embed="rId3"/>
                 </a:ext>
               </a:extLst>
             </a:blip>
@@ -5682,7 +5622,7 @@
             <a:blip r:embed="rId4">
               <a:extLst>
                 <a:ext uri="{96DAC541-7B7A-43D3-8B79-37D633B846F1}">
-                  <asvg:svgBlip xmlns:asvg="http://schemas.microsoft.com/office/drawing/2016/SVG/main" xmlns="" r:embed="rId5"/>
+                  <asvg:svgBlip xmlns="" xmlns:asvg="http://schemas.microsoft.com/office/drawing/2016/SVG/main" r:embed="rId5"/>
                 </a:ext>
               </a:extLst>
             </a:blip>
@@ -5734,7 +5674,7 @@
             <a:blip r:embed="rId4">
               <a:extLst>
                 <a:ext uri="{96DAC541-7B7A-43D3-8B79-37D633B846F1}">
-                  <asvg:svgBlip xmlns:asvg="http://schemas.microsoft.com/office/drawing/2016/SVG/main" xmlns="" r:embed="rId5"/>
+                  <asvg:svgBlip xmlns="" xmlns:asvg="http://schemas.microsoft.com/office/drawing/2016/SVG/main" r:embed="rId5"/>
                 </a:ext>
               </a:extLst>
             </a:blip>
@@ -5786,7 +5726,7 @@
             <a:blip r:embed="rId6">
               <a:extLst>
                 <a:ext uri="{96DAC541-7B7A-43D3-8B79-37D633B846F1}">
-                  <asvg:svgBlip xmlns:asvg="http://schemas.microsoft.com/office/drawing/2016/SVG/main" xmlns="" r:embed="rId7"/>
+                  <asvg:svgBlip xmlns="" xmlns:asvg="http://schemas.microsoft.com/office/drawing/2016/SVG/main" r:embed="rId7"/>
                 </a:ext>
               </a:extLst>
             </a:blip>
@@ -5838,7 +5778,7 @@
             <a:blip r:embed="rId2">
               <a:extLst>
                 <a:ext uri="{96DAC541-7B7A-43D3-8B79-37D633B846F1}">
-                  <asvg:svgBlip xmlns:asvg="http://schemas.microsoft.com/office/drawing/2016/SVG/main" xmlns="" r:embed="rId3"/>
+                  <asvg:svgBlip xmlns="" xmlns:asvg="http://schemas.microsoft.com/office/drawing/2016/SVG/main" r:embed="rId3"/>
                 </a:ext>
               </a:extLst>
             </a:blip>
@@ -6686,7 +6626,7 @@
             <a:blip r:embed="rId2">
               <a:extLst>
                 <a:ext uri="{96DAC541-7B7A-43D3-8B79-37D633B846F1}">
-                  <asvg:svgBlip xmlns:asvg="http://schemas.microsoft.com/office/drawing/2016/SVG/main" xmlns="" r:embed="rId3"/>
+                  <asvg:svgBlip xmlns="" xmlns:asvg="http://schemas.microsoft.com/office/drawing/2016/SVG/main" r:embed="rId3"/>
                 </a:ext>
               </a:extLst>
             </a:blip>
@@ -6738,7 +6678,7 @@
             <a:blip r:embed="rId4">
               <a:extLst>
                 <a:ext uri="{96DAC541-7B7A-43D3-8B79-37D633B846F1}">
-                  <asvg:svgBlip xmlns:asvg="http://schemas.microsoft.com/office/drawing/2016/SVG/main" xmlns="" r:embed="rId5"/>
+                  <asvg:svgBlip xmlns="" xmlns:asvg="http://schemas.microsoft.com/office/drawing/2016/SVG/main" r:embed="rId5"/>
                 </a:ext>
               </a:extLst>
             </a:blip>
@@ -6790,7 +6730,7 @@
             <a:blip r:embed="rId4">
               <a:extLst>
                 <a:ext uri="{96DAC541-7B7A-43D3-8B79-37D633B846F1}">
-                  <asvg:svgBlip xmlns:asvg="http://schemas.microsoft.com/office/drawing/2016/SVG/main" xmlns="" r:embed="rId5"/>
+                  <asvg:svgBlip xmlns="" xmlns:asvg="http://schemas.microsoft.com/office/drawing/2016/SVG/main" r:embed="rId5"/>
                 </a:ext>
               </a:extLst>
             </a:blip>
@@ -6842,7 +6782,7 @@
             <a:blip r:embed="rId6">
               <a:extLst>
                 <a:ext uri="{96DAC541-7B7A-43D3-8B79-37D633B846F1}">
-                  <asvg:svgBlip xmlns:asvg="http://schemas.microsoft.com/office/drawing/2016/SVG/main" xmlns="" r:embed="rId7"/>
+                  <asvg:svgBlip xmlns="" xmlns:asvg="http://schemas.microsoft.com/office/drawing/2016/SVG/main" r:embed="rId7"/>
                 </a:ext>
               </a:extLst>
             </a:blip>
@@ -6894,7 +6834,7 @@
             <a:blip r:embed="rId2">
               <a:extLst>
                 <a:ext uri="{96DAC541-7B7A-43D3-8B79-37D633B846F1}">
-                  <asvg:svgBlip xmlns:asvg="http://schemas.microsoft.com/office/drawing/2016/SVG/main" xmlns="" r:embed="rId3"/>
+                  <asvg:svgBlip xmlns="" xmlns:asvg="http://schemas.microsoft.com/office/drawing/2016/SVG/main" r:embed="rId3"/>
                 </a:ext>
               </a:extLst>
             </a:blip>
@@ -7742,7 +7682,7 @@
             <a:blip r:embed="rId2">
               <a:extLst>
                 <a:ext uri="{96DAC541-7B7A-43D3-8B79-37D633B846F1}">
-                  <asvg:svgBlip xmlns:asvg="http://schemas.microsoft.com/office/drawing/2016/SVG/main" xmlns="" r:embed="rId3"/>
+                  <asvg:svgBlip xmlns="" xmlns:asvg="http://schemas.microsoft.com/office/drawing/2016/SVG/main" r:embed="rId3"/>
                 </a:ext>
               </a:extLst>
             </a:blip>
@@ -7794,7 +7734,7 @@
             <a:blip r:embed="rId4">
               <a:extLst>
                 <a:ext uri="{96DAC541-7B7A-43D3-8B79-37D633B846F1}">
-                  <asvg:svgBlip xmlns:asvg="http://schemas.microsoft.com/office/drawing/2016/SVG/main" xmlns="" r:embed="rId5"/>
+                  <asvg:svgBlip xmlns="" xmlns:asvg="http://schemas.microsoft.com/office/drawing/2016/SVG/main" r:embed="rId5"/>
                 </a:ext>
               </a:extLst>
             </a:blip>
@@ -7846,7 +7786,7 @@
             <a:blip r:embed="rId4">
               <a:extLst>
                 <a:ext uri="{96DAC541-7B7A-43D3-8B79-37D633B846F1}">
-                  <asvg:svgBlip xmlns:asvg="http://schemas.microsoft.com/office/drawing/2016/SVG/main" xmlns="" r:embed="rId5"/>
+                  <asvg:svgBlip xmlns="" xmlns:asvg="http://schemas.microsoft.com/office/drawing/2016/SVG/main" r:embed="rId5"/>
                 </a:ext>
               </a:extLst>
             </a:blip>
@@ -7898,7 +7838,7 @@
             <a:blip r:embed="rId6">
               <a:extLst>
                 <a:ext uri="{96DAC541-7B7A-43D3-8B79-37D633B846F1}">
-                  <asvg:svgBlip xmlns:asvg="http://schemas.microsoft.com/office/drawing/2016/SVG/main" xmlns="" r:embed="rId7"/>
+                  <asvg:svgBlip xmlns="" xmlns:asvg="http://schemas.microsoft.com/office/drawing/2016/SVG/main" r:embed="rId7"/>
                 </a:ext>
               </a:extLst>
             </a:blip>
@@ -7950,7 +7890,7 @@
             <a:blip r:embed="rId2">
               <a:extLst>
                 <a:ext uri="{96DAC541-7B7A-43D3-8B79-37D633B846F1}">
-                  <asvg:svgBlip xmlns:asvg="http://schemas.microsoft.com/office/drawing/2016/SVG/main" xmlns="" r:embed="rId3"/>
+                  <asvg:svgBlip xmlns="" xmlns:asvg="http://schemas.microsoft.com/office/drawing/2016/SVG/main" r:embed="rId3"/>
                 </a:ext>
               </a:extLst>
             </a:blip>
@@ -8798,7 +8738,7 @@
             <a:blip r:embed="rId2">
               <a:extLst>
                 <a:ext uri="{96DAC541-7B7A-43D3-8B79-37D633B846F1}">
-                  <asvg:svgBlip xmlns:asvg="http://schemas.microsoft.com/office/drawing/2016/SVG/main" xmlns="" r:embed="rId3"/>
+                  <asvg:svgBlip xmlns="" xmlns:asvg="http://schemas.microsoft.com/office/drawing/2016/SVG/main" r:embed="rId3"/>
                 </a:ext>
               </a:extLst>
             </a:blip>
@@ -8850,7 +8790,7 @@
             <a:blip r:embed="rId4">
               <a:extLst>
                 <a:ext uri="{96DAC541-7B7A-43D3-8B79-37D633B846F1}">
-                  <asvg:svgBlip xmlns:asvg="http://schemas.microsoft.com/office/drawing/2016/SVG/main" xmlns="" r:embed="rId5"/>
+                  <asvg:svgBlip xmlns="" xmlns:asvg="http://schemas.microsoft.com/office/drawing/2016/SVG/main" r:embed="rId5"/>
                 </a:ext>
               </a:extLst>
             </a:blip>
@@ -8902,7 +8842,7 @@
             <a:blip r:embed="rId4">
               <a:extLst>
                 <a:ext uri="{96DAC541-7B7A-43D3-8B79-37D633B846F1}">
-                  <asvg:svgBlip xmlns:asvg="http://schemas.microsoft.com/office/drawing/2016/SVG/main" xmlns="" r:embed="rId5"/>
+                  <asvg:svgBlip xmlns="" xmlns:asvg="http://schemas.microsoft.com/office/drawing/2016/SVG/main" r:embed="rId5"/>
                 </a:ext>
               </a:extLst>
             </a:blip>
@@ -8954,7 +8894,7 @@
             <a:blip r:embed="rId6">
               <a:extLst>
                 <a:ext uri="{96DAC541-7B7A-43D3-8B79-37D633B846F1}">
-                  <asvg:svgBlip xmlns:asvg="http://schemas.microsoft.com/office/drawing/2016/SVG/main" xmlns="" r:embed="rId7"/>
+                  <asvg:svgBlip xmlns="" xmlns:asvg="http://schemas.microsoft.com/office/drawing/2016/SVG/main" r:embed="rId7"/>
                 </a:ext>
               </a:extLst>
             </a:blip>
@@ -9006,7 +8946,7 @@
             <a:blip r:embed="rId2">
               <a:extLst>
                 <a:ext uri="{96DAC541-7B7A-43D3-8B79-37D633B846F1}">
-                  <asvg:svgBlip xmlns:asvg="http://schemas.microsoft.com/office/drawing/2016/SVG/main" xmlns="" r:embed="rId3"/>
+                  <asvg:svgBlip xmlns="" xmlns:asvg="http://schemas.microsoft.com/office/drawing/2016/SVG/main" r:embed="rId3"/>
                 </a:ext>
               </a:extLst>
             </a:blip>
@@ -9835,7 +9775,7 @@
             <a:blip r:embed="rId2">
               <a:extLst>
                 <a:ext uri="{96DAC541-7B7A-43D3-8B79-37D633B846F1}">
-                  <asvg:svgBlip xmlns:asvg="http://schemas.microsoft.com/office/drawing/2016/SVG/main" xmlns="" r:embed="rId3"/>
+                  <asvg:svgBlip xmlns="" xmlns:asvg="http://schemas.microsoft.com/office/drawing/2016/SVG/main" r:embed="rId3"/>
                 </a:ext>
               </a:extLst>
             </a:blip>
@@ -9887,7 +9827,7 @@
             <a:blip r:embed="rId4">
               <a:extLst>
                 <a:ext uri="{96DAC541-7B7A-43D3-8B79-37D633B846F1}">
-                  <asvg:svgBlip xmlns:asvg="http://schemas.microsoft.com/office/drawing/2016/SVG/main" xmlns="" r:embed="rId5"/>
+                  <asvg:svgBlip xmlns="" xmlns:asvg="http://schemas.microsoft.com/office/drawing/2016/SVG/main" r:embed="rId5"/>
                 </a:ext>
               </a:extLst>
             </a:blip>
@@ -9939,7 +9879,7 @@
             <a:blip r:embed="rId4">
               <a:extLst>
                 <a:ext uri="{96DAC541-7B7A-43D3-8B79-37D633B846F1}">
-                  <asvg:svgBlip xmlns:asvg="http://schemas.microsoft.com/office/drawing/2016/SVG/main" xmlns="" r:embed="rId5"/>
+                  <asvg:svgBlip xmlns="" xmlns:asvg="http://schemas.microsoft.com/office/drawing/2016/SVG/main" r:embed="rId5"/>
                 </a:ext>
               </a:extLst>
             </a:blip>
@@ -9991,7 +9931,7 @@
             <a:blip r:embed="rId6">
               <a:extLst>
                 <a:ext uri="{96DAC541-7B7A-43D3-8B79-37D633B846F1}">
-                  <asvg:svgBlip xmlns:asvg="http://schemas.microsoft.com/office/drawing/2016/SVG/main" xmlns="" r:embed="rId7"/>
+                  <asvg:svgBlip xmlns="" xmlns:asvg="http://schemas.microsoft.com/office/drawing/2016/SVG/main" r:embed="rId7"/>
                 </a:ext>
               </a:extLst>
             </a:blip>
@@ -10043,7 +9983,7 @@
             <a:blip r:embed="rId2">
               <a:extLst>
                 <a:ext uri="{96DAC541-7B7A-43D3-8B79-37D633B846F1}">
-                  <asvg:svgBlip xmlns:asvg="http://schemas.microsoft.com/office/drawing/2016/SVG/main" xmlns="" r:embed="rId3"/>
+                  <asvg:svgBlip xmlns="" xmlns:asvg="http://schemas.microsoft.com/office/drawing/2016/SVG/main" r:embed="rId3"/>
                 </a:ext>
               </a:extLst>
             </a:blip>
@@ -10910,7 +10850,7 @@
             <a:blip r:embed="rId2">
               <a:extLst>
                 <a:ext uri="{96DAC541-7B7A-43D3-8B79-37D633B846F1}">
-                  <asvg:svgBlip xmlns:asvg="http://schemas.microsoft.com/office/drawing/2016/SVG/main" xmlns="" r:embed="rId3"/>
+                  <asvg:svgBlip xmlns="" xmlns:asvg="http://schemas.microsoft.com/office/drawing/2016/SVG/main" r:embed="rId3"/>
                 </a:ext>
               </a:extLst>
             </a:blip>
@@ -10962,7 +10902,7 @@
             <a:blip r:embed="rId4">
               <a:extLst>
                 <a:ext uri="{96DAC541-7B7A-43D3-8B79-37D633B846F1}">
-                  <asvg:svgBlip xmlns:asvg="http://schemas.microsoft.com/office/drawing/2016/SVG/main" xmlns="" r:embed="rId5"/>
+                  <asvg:svgBlip xmlns="" xmlns:asvg="http://schemas.microsoft.com/office/drawing/2016/SVG/main" r:embed="rId5"/>
                 </a:ext>
               </a:extLst>
             </a:blip>
@@ -11014,7 +10954,7 @@
             <a:blip r:embed="rId4">
               <a:extLst>
                 <a:ext uri="{96DAC541-7B7A-43D3-8B79-37D633B846F1}">
-                  <asvg:svgBlip xmlns:asvg="http://schemas.microsoft.com/office/drawing/2016/SVG/main" xmlns="" r:embed="rId5"/>
+                  <asvg:svgBlip xmlns="" xmlns:asvg="http://schemas.microsoft.com/office/drawing/2016/SVG/main" r:embed="rId5"/>
                 </a:ext>
               </a:extLst>
             </a:blip>
@@ -11066,7 +11006,7 @@
             <a:blip r:embed="rId6">
               <a:extLst>
                 <a:ext uri="{96DAC541-7B7A-43D3-8B79-37D633B846F1}">
-                  <asvg:svgBlip xmlns:asvg="http://schemas.microsoft.com/office/drawing/2016/SVG/main" xmlns="" r:embed="rId7"/>
+                  <asvg:svgBlip xmlns="" xmlns:asvg="http://schemas.microsoft.com/office/drawing/2016/SVG/main" r:embed="rId7"/>
                 </a:ext>
               </a:extLst>
             </a:blip>
@@ -11118,7 +11058,7 @@
             <a:blip r:embed="rId2">
               <a:extLst>
                 <a:ext uri="{96DAC541-7B7A-43D3-8B79-37D633B846F1}">
-                  <asvg:svgBlip xmlns:asvg="http://schemas.microsoft.com/office/drawing/2016/SVG/main" xmlns="" r:embed="rId3"/>
+                  <asvg:svgBlip xmlns="" xmlns:asvg="http://schemas.microsoft.com/office/drawing/2016/SVG/main" r:embed="rId3"/>
                 </a:ext>
               </a:extLst>
             </a:blip>
@@ -12004,7 +11944,7 @@
             <a:blip r:embed="rId2">
               <a:extLst>
                 <a:ext uri="{96DAC541-7B7A-43D3-8B79-37D633B846F1}">
-                  <asvg:svgBlip xmlns:asvg="http://schemas.microsoft.com/office/drawing/2016/SVG/main" xmlns="" r:embed="rId3"/>
+                  <asvg:svgBlip xmlns="" xmlns:asvg="http://schemas.microsoft.com/office/drawing/2016/SVG/main" r:embed="rId3"/>
                 </a:ext>
               </a:extLst>
             </a:blip>
@@ -12056,7 +11996,7 @@
             <a:blip r:embed="rId4">
               <a:extLst>
                 <a:ext uri="{96DAC541-7B7A-43D3-8B79-37D633B846F1}">
-                  <asvg:svgBlip xmlns:asvg="http://schemas.microsoft.com/office/drawing/2016/SVG/main" xmlns="" r:embed="rId5"/>
+                  <asvg:svgBlip xmlns="" xmlns:asvg="http://schemas.microsoft.com/office/drawing/2016/SVG/main" r:embed="rId5"/>
                 </a:ext>
               </a:extLst>
             </a:blip>
@@ -12108,7 +12048,7 @@
             <a:blip r:embed="rId4">
               <a:extLst>
                 <a:ext uri="{96DAC541-7B7A-43D3-8B79-37D633B846F1}">
-                  <asvg:svgBlip xmlns:asvg="http://schemas.microsoft.com/office/drawing/2016/SVG/main" xmlns="" r:embed="rId5"/>
+                  <asvg:svgBlip xmlns="" xmlns:asvg="http://schemas.microsoft.com/office/drawing/2016/SVG/main" r:embed="rId5"/>
                 </a:ext>
               </a:extLst>
             </a:blip>
@@ -12160,7 +12100,7 @@
             <a:blip r:embed="rId6">
               <a:extLst>
                 <a:ext uri="{96DAC541-7B7A-43D3-8B79-37D633B846F1}">
-                  <asvg:svgBlip xmlns:asvg="http://schemas.microsoft.com/office/drawing/2016/SVG/main" xmlns="" r:embed="rId7"/>
+                  <asvg:svgBlip xmlns="" xmlns:asvg="http://schemas.microsoft.com/office/drawing/2016/SVG/main" r:embed="rId7"/>
                 </a:ext>
               </a:extLst>
             </a:blip>
@@ -12212,7 +12152,7 @@
             <a:blip r:embed="rId2">
               <a:extLst>
                 <a:ext uri="{96DAC541-7B7A-43D3-8B79-37D633B846F1}">
-                  <asvg:svgBlip xmlns:asvg="http://schemas.microsoft.com/office/drawing/2016/SVG/main" xmlns="" r:embed="rId3"/>
+                  <asvg:svgBlip xmlns="" xmlns:asvg="http://schemas.microsoft.com/office/drawing/2016/SVG/main" r:embed="rId3"/>
                 </a:ext>
               </a:extLst>
             </a:blip>
@@ -13022,7 +12962,7 @@
             <a:blip r:embed="rId2">
               <a:extLst>
                 <a:ext uri="{96DAC541-7B7A-43D3-8B79-37D633B846F1}">
-                  <asvg:svgBlip xmlns:asvg="http://schemas.microsoft.com/office/drawing/2016/SVG/main" xmlns="" r:embed="rId3"/>
+                  <asvg:svgBlip xmlns="" xmlns:asvg="http://schemas.microsoft.com/office/drawing/2016/SVG/main" r:embed="rId3"/>
                 </a:ext>
               </a:extLst>
             </a:blip>
@@ -13074,7 +13014,7 @@
             <a:blip r:embed="rId4">
               <a:extLst>
                 <a:ext uri="{96DAC541-7B7A-43D3-8B79-37D633B846F1}">
-                  <asvg:svgBlip xmlns:asvg="http://schemas.microsoft.com/office/drawing/2016/SVG/main" xmlns="" r:embed="rId5"/>
+                  <asvg:svgBlip xmlns="" xmlns:asvg="http://schemas.microsoft.com/office/drawing/2016/SVG/main" r:embed="rId5"/>
                 </a:ext>
               </a:extLst>
             </a:blip>
@@ -13126,7 +13066,7 @@
             <a:blip r:embed="rId4">
               <a:extLst>
                 <a:ext uri="{96DAC541-7B7A-43D3-8B79-37D633B846F1}">
-                  <asvg:svgBlip xmlns:asvg="http://schemas.microsoft.com/office/drawing/2016/SVG/main" xmlns="" r:embed="rId5"/>
+                  <asvg:svgBlip xmlns="" xmlns:asvg="http://schemas.microsoft.com/office/drawing/2016/SVG/main" r:embed="rId5"/>
                 </a:ext>
               </a:extLst>
             </a:blip>
@@ -13178,7 +13118,7 @@
             <a:blip r:embed="rId6">
               <a:extLst>
                 <a:ext uri="{96DAC541-7B7A-43D3-8B79-37D633B846F1}">
-                  <asvg:svgBlip xmlns:asvg="http://schemas.microsoft.com/office/drawing/2016/SVG/main" xmlns="" r:embed="rId7"/>
+                  <asvg:svgBlip xmlns="" xmlns:asvg="http://schemas.microsoft.com/office/drawing/2016/SVG/main" r:embed="rId7"/>
                 </a:ext>
               </a:extLst>
             </a:blip>
@@ -13230,7 +13170,7 @@
             <a:blip r:embed="rId2">
               <a:extLst>
                 <a:ext uri="{96DAC541-7B7A-43D3-8B79-37D633B846F1}">
-                  <asvg:svgBlip xmlns:asvg="http://schemas.microsoft.com/office/drawing/2016/SVG/main" xmlns="" r:embed="rId3"/>
+                  <asvg:svgBlip xmlns="" xmlns:asvg="http://schemas.microsoft.com/office/drawing/2016/SVG/main" r:embed="rId3"/>
                 </a:ext>
               </a:extLst>
             </a:blip>
@@ -14092,7 +14032,7 @@
             <a:blip r:embed="rId5">
               <a:extLst>
                 <a:ext uri="{96DAC541-7B7A-43D3-8B79-37D633B846F1}">
-                  <asvg:svgBlip xmlns:asvg="http://schemas.microsoft.com/office/drawing/2016/SVG/main" xmlns="" r:embed="rId6"/>
+                  <asvg:svgBlip xmlns="" xmlns:asvg="http://schemas.microsoft.com/office/drawing/2016/SVG/main" r:embed="rId6"/>
                 </a:ext>
               </a:extLst>
             </a:blip>
@@ -14414,7 +14354,7 @@
             <a:blip r:embed="rId2">
               <a:extLst>
                 <a:ext uri="{96DAC541-7B7A-43D3-8B79-37D633B846F1}">
-                  <asvg:svgBlip xmlns:asvg="http://schemas.microsoft.com/office/drawing/2016/SVG/main" xmlns="" r:embed="rId3"/>
+                  <asvg:svgBlip xmlns="" xmlns:asvg="http://schemas.microsoft.com/office/drawing/2016/SVG/main" r:embed="rId3"/>
                 </a:ext>
               </a:extLst>
             </a:blip>
@@ -14466,7 +14406,7 @@
             <a:blip r:embed="rId4">
               <a:extLst>
                 <a:ext uri="{96DAC541-7B7A-43D3-8B79-37D633B846F1}">
-                  <asvg:svgBlip xmlns:asvg="http://schemas.microsoft.com/office/drawing/2016/SVG/main" xmlns="" r:embed="rId5"/>
+                  <asvg:svgBlip xmlns="" xmlns:asvg="http://schemas.microsoft.com/office/drawing/2016/SVG/main" r:embed="rId5"/>
                 </a:ext>
               </a:extLst>
             </a:blip>
@@ -14518,7 +14458,7 @@
             <a:blip r:embed="rId6">
               <a:extLst>
                 <a:ext uri="{96DAC541-7B7A-43D3-8B79-37D633B846F1}">
-                  <asvg:svgBlip xmlns:asvg="http://schemas.microsoft.com/office/drawing/2016/SVG/main" xmlns="" r:embed="rId7"/>
+                  <asvg:svgBlip xmlns="" xmlns:asvg="http://schemas.microsoft.com/office/drawing/2016/SVG/main" r:embed="rId7"/>
                 </a:ext>
               </a:extLst>
             </a:blip>
@@ -14570,7 +14510,7 @@
             <a:blip r:embed="rId6">
               <a:extLst>
                 <a:ext uri="{96DAC541-7B7A-43D3-8B79-37D633B846F1}">
-                  <asvg:svgBlip xmlns:asvg="http://schemas.microsoft.com/office/drawing/2016/SVG/main" xmlns="" r:embed="rId7"/>
+                  <asvg:svgBlip xmlns="" xmlns:asvg="http://schemas.microsoft.com/office/drawing/2016/SVG/main" r:embed="rId7"/>
                 </a:ext>
               </a:extLst>
             </a:blip>
@@ -14622,7 +14562,7 @@
             <a:blip r:embed="rId8">
               <a:extLst>
                 <a:ext uri="{96DAC541-7B7A-43D3-8B79-37D633B846F1}">
-                  <asvg:svgBlip xmlns:asvg="http://schemas.microsoft.com/office/drawing/2016/SVG/main" xmlns="" r:embed="rId9"/>
+                  <asvg:svgBlip xmlns="" xmlns:asvg="http://schemas.microsoft.com/office/drawing/2016/SVG/main" r:embed="rId9"/>
                 </a:ext>
               </a:extLst>
             </a:blip>
@@ -14674,7 +14614,7 @@
             <a:blip r:embed="rId6">
               <a:extLst>
                 <a:ext uri="{96DAC541-7B7A-43D3-8B79-37D633B846F1}">
-                  <asvg:svgBlip xmlns:asvg="http://schemas.microsoft.com/office/drawing/2016/SVG/main" xmlns="" r:embed="rId7"/>
+                  <asvg:svgBlip xmlns="" xmlns:asvg="http://schemas.microsoft.com/office/drawing/2016/SVG/main" r:embed="rId7"/>
                 </a:ext>
               </a:extLst>
             </a:blip>
@@ -14726,7 +14666,7 @@
             <a:blip r:embed="rId8">
               <a:extLst>
                 <a:ext uri="{96DAC541-7B7A-43D3-8B79-37D633B846F1}">
-                  <asvg:svgBlip xmlns:asvg="http://schemas.microsoft.com/office/drawing/2016/SVG/main" xmlns="" r:embed="rId9"/>
+                  <asvg:svgBlip xmlns="" xmlns:asvg="http://schemas.microsoft.com/office/drawing/2016/SVG/main" r:embed="rId9"/>
                 </a:ext>
               </a:extLst>
             </a:blip>
@@ -14778,7 +14718,7 @@
             <a:blip r:embed="rId4">
               <a:extLst>
                 <a:ext uri="{96DAC541-7B7A-43D3-8B79-37D633B846F1}">
-                  <asvg:svgBlip xmlns:asvg="http://schemas.microsoft.com/office/drawing/2016/SVG/main" xmlns="" r:embed="rId5"/>
+                  <asvg:svgBlip xmlns="" xmlns:asvg="http://schemas.microsoft.com/office/drawing/2016/SVG/main" r:embed="rId5"/>
                 </a:ext>
               </a:extLst>
             </a:blip>
@@ -14830,7 +14770,7 @@
             <a:blip r:embed="rId8">
               <a:extLst>
                 <a:ext uri="{96DAC541-7B7A-43D3-8B79-37D633B846F1}">
-                  <asvg:svgBlip xmlns:asvg="http://schemas.microsoft.com/office/drawing/2016/SVG/main" xmlns="" r:embed="rId9"/>
+                  <asvg:svgBlip xmlns="" xmlns:asvg="http://schemas.microsoft.com/office/drawing/2016/SVG/main" r:embed="rId9"/>
                 </a:ext>
               </a:extLst>
             </a:blip>
@@ -14882,7 +14822,7 @@
             <a:blip r:embed="rId6">
               <a:extLst>
                 <a:ext uri="{96DAC541-7B7A-43D3-8B79-37D633B846F1}">
-                  <asvg:svgBlip xmlns:asvg="http://schemas.microsoft.com/office/drawing/2016/SVG/main" xmlns="" r:embed="rId7"/>
+                  <asvg:svgBlip xmlns="" xmlns:asvg="http://schemas.microsoft.com/office/drawing/2016/SVG/main" r:embed="rId7"/>
                 </a:ext>
               </a:extLst>
             </a:blip>
@@ -15506,7 +15446,7 @@
             <a:blip r:embed="rId2">
               <a:extLst>
                 <a:ext uri="{96DAC541-7B7A-43D3-8B79-37D633B846F1}">
-                  <asvg:svgBlip xmlns:asvg="http://schemas.microsoft.com/office/drawing/2016/SVG/main" xmlns="" r:embed="rId3"/>
+                  <asvg:svgBlip xmlns="" xmlns:asvg="http://schemas.microsoft.com/office/drawing/2016/SVG/main" r:embed="rId3"/>
                 </a:ext>
               </a:extLst>
             </a:blip>
@@ -15558,7 +15498,7 @@
             <a:blip r:embed="rId4">
               <a:extLst>
                 <a:ext uri="{96DAC541-7B7A-43D3-8B79-37D633B846F1}">
-                  <asvg:svgBlip xmlns:asvg="http://schemas.microsoft.com/office/drawing/2016/SVG/main" xmlns="" r:embed="rId5"/>
+                  <asvg:svgBlip xmlns="" xmlns:asvg="http://schemas.microsoft.com/office/drawing/2016/SVG/main" r:embed="rId5"/>
                 </a:ext>
               </a:extLst>
             </a:blip>
@@ -15610,7 +15550,7 @@
             <a:blip r:embed="rId6">
               <a:extLst>
                 <a:ext uri="{96DAC541-7B7A-43D3-8B79-37D633B846F1}">
-                  <asvg:svgBlip xmlns:asvg="http://schemas.microsoft.com/office/drawing/2016/SVG/main" xmlns="" r:embed="rId7"/>
+                  <asvg:svgBlip xmlns="" xmlns:asvg="http://schemas.microsoft.com/office/drawing/2016/SVG/main" r:embed="rId7"/>
                 </a:ext>
               </a:extLst>
             </a:blip>
@@ -15662,7 +15602,7 @@
             <a:blip r:embed="rId2">
               <a:extLst>
                 <a:ext uri="{96DAC541-7B7A-43D3-8B79-37D633B846F1}">
-                  <asvg:svgBlip xmlns:asvg="http://schemas.microsoft.com/office/drawing/2016/SVG/main" xmlns="" r:embed="rId3"/>
+                  <asvg:svgBlip xmlns="" xmlns:asvg="http://schemas.microsoft.com/office/drawing/2016/SVG/main" r:embed="rId3"/>
                 </a:ext>
               </a:extLst>
             </a:blip>
@@ -15952,7 +15892,7 @@
             <a:blip r:embed="rId9">
               <a:extLst>
                 <a:ext uri="{96DAC541-7B7A-43D3-8B79-37D633B846F1}">
-                  <asvg:svgBlip xmlns:asvg="http://schemas.microsoft.com/office/drawing/2016/SVG/main" xmlns="" r:embed="rId10"/>
+                  <asvg:svgBlip xmlns="" xmlns:asvg="http://schemas.microsoft.com/office/drawing/2016/SVG/main" r:embed="rId10"/>
                 </a:ext>
               </a:extLst>
             </a:blip>
@@ -16274,7 +16214,7 @@
             <a:blip r:embed="rId2">
               <a:extLst>
                 <a:ext uri="{96DAC541-7B7A-43D3-8B79-37D633B846F1}">
-                  <asvg:svgBlip xmlns:asvg="http://schemas.microsoft.com/office/drawing/2016/SVG/main" xmlns="" r:embed="rId3"/>
+                  <asvg:svgBlip xmlns="" xmlns:asvg="http://schemas.microsoft.com/office/drawing/2016/SVG/main" r:embed="rId3"/>
                 </a:ext>
               </a:extLst>
             </a:blip>
@@ -16326,7 +16266,7 @@
             <a:blip r:embed="rId4">
               <a:extLst>
                 <a:ext uri="{96DAC541-7B7A-43D3-8B79-37D633B846F1}">
-                  <asvg:svgBlip xmlns:asvg="http://schemas.microsoft.com/office/drawing/2016/SVG/main" xmlns="" r:embed="rId5"/>
+                  <asvg:svgBlip xmlns="" xmlns:asvg="http://schemas.microsoft.com/office/drawing/2016/SVG/main" r:embed="rId5"/>
                 </a:ext>
               </a:extLst>
             </a:blip>
@@ -16378,7 +16318,7 @@
             <a:blip r:embed="rId6">
               <a:extLst>
                 <a:ext uri="{96DAC541-7B7A-43D3-8B79-37D633B846F1}">
-                  <asvg:svgBlip xmlns:asvg="http://schemas.microsoft.com/office/drawing/2016/SVG/main" xmlns="" r:embed="rId7"/>
+                  <asvg:svgBlip xmlns="" xmlns:asvg="http://schemas.microsoft.com/office/drawing/2016/SVG/main" r:embed="rId7"/>
                 </a:ext>
               </a:extLst>
             </a:blip>
@@ -16430,7 +16370,7 @@
             <a:blip r:embed="rId8">
               <a:extLst>
                 <a:ext uri="{96DAC541-7B7A-43D3-8B79-37D633B846F1}">
-                  <asvg:svgBlip xmlns:asvg="http://schemas.microsoft.com/office/drawing/2016/SVG/main" xmlns="" r:embed="rId9"/>
+                  <asvg:svgBlip xmlns="" xmlns:asvg="http://schemas.microsoft.com/office/drawing/2016/SVG/main" r:embed="rId9"/>
                 </a:ext>
               </a:extLst>
             </a:blip>
@@ -16482,7 +16422,7 @@
             <a:blip r:embed="rId6">
               <a:extLst>
                 <a:ext uri="{96DAC541-7B7A-43D3-8B79-37D633B846F1}">
-                  <asvg:svgBlip xmlns:asvg="http://schemas.microsoft.com/office/drawing/2016/SVG/main" xmlns="" r:embed="rId7"/>
+                  <asvg:svgBlip xmlns="" xmlns:asvg="http://schemas.microsoft.com/office/drawing/2016/SVG/main" r:embed="rId7"/>
                 </a:ext>
               </a:extLst>
             </a:blip>
@@ -16534,7 +16474,7 @@
             <a:blip r:embed="rId8">
               <a:extLst>
                 <a:ext uri="{96DAC541-7B7A-43D3-8B79-37D633B846F1}">
-                  <asvg:svgBlip xmlns:asvg="http://schemas.microsoft.com/office/drawing/2016/SVG/main" xmlns="" r:embed="rId9"/>
+                  <asvg:svgBlip xmlns="" xmlns:asvg="http://schemas.microsoft.com/office/drawing/2016/SVG/main" r:embed="rId9"/>
                 </a:ext>
               </a:extLst>
             </a:blip>
@@ -16586,7 +16526,7 @@
             <a:blip r:embed="rId4">
               <a:extLst>
                 <a:ext uri="{96DAC541-7B7A-43D3-8B79-37D633B846F1}">
-                  <asvg:svgBlip xmlns:asvg="http://schemas.microsoft.com/office/drawing/2016/SVG/main" xmlns="" r:embed="rId5"/>
+                  <asvg:svgBlip xmlns="" xmlns:asvg="http://schemas.microsoft.com/office/drawing/2016/SVG/main" r:embed="rId5"/>
                 </a:ext>
               </a:extLst>
             </a:blip>
@@ -16638,7 +16578,7 @@
             <a:blip r:embed="rId8">
               <a:extLst>
                 <a:ext uri="{96DAC541-7B7A-43D3-8B79-37D633B846F1}">
-                  <asvg:svgBlip xmlns:asvg="http://schemas.microsoft.com/office/drawing/2016/SVG/main" xmlns="" r:embed="rId9"/>
+                  <asvg:svgBlip xmlns="" xmlns:asvg="http://schemas.microsoft.com/office/drawing/2016/SVG/main" r:embed="rId9"/>
                 </a:ext>
               </a:extLst>
             </a:blip>
@@ -16690,7 +16630,7 @@
             <a:blip r:embed="rId6">
               <a:extLst>
                 <a:ext uri="{96DAC541-7B7A-43D3-8B79-37D633B846F1}">
-                  <asvg:svgBlip xmlns:asvg="http://schemas.microsoft.com/office/drawing/2016/SVG/main" xmlns="" r:embed="rId7"/>
+                  <asvg:svgBlip xmlns="" xmlns:asvg="http://schemas.microsoft.com/office/drawing/2016/SVG/main" r:embed="rId7"/>
                 </a:ext>
               </a:extLst>
             </a:blip>
@@ -17506,7 +17446,7 @@
             <a:blip r:embed="rId2">
               <a:extLst>
                 <a:ext uri="{96DAC541-7B7A-43D3-8B79-37D633B846F1}">
-                  <asvg:svgBlip xmlns:asvg="http://schemas.microsoft.com/office/drawing/2016/SVG/main" xmlns="" r:embed="rId3"/>
+                  <asvg:svgBlip xmlns="" xmlns:asvg="http://schemas.microsoft.com/office/drawing/2016/SVG/main" r:embed="rId3"/>
                 </a:ext>
               </a:extLst>
             </a:blip>
@@ -17558,7 +17498,7 @@
             <a:blip r:embed="rId4">
               <a:extLst>
                 <a:ext uri="{96DAC541-7B7A-43D3-8B79-37D633B846F1}">
-                  <asvg:svgBlip xmlns:asvg="http://schemas.microsoft.com/office/drawing/2016/SVG/main" xmlns="" r:embed="rId5"/>
+                  <asvg:svgBlip xmlns="" xmlns:asvg="http://schemas.microsoft.com/office/drawing/2016/SVG/main" r:embed="rId5"/>
                 </a:ext>
               </a:extLst>
             </a:blip>
@@ -17610,7 +17550,7 @@
             <a:blip r:embed="rId6">
               <a:extLst>
                 <a:ext uri="{96DAC541-7B7A-43D3-8B79-37D633B846F1}">
-                  <asvg:svgBlip xmlns:asvg="http://schemas.microsoft.com/office/drawing/2016/SVG/main" xmlns="" r:embed="rId7"/>
+                  <asvg:svgBlip xmlns="" xmlns:asvg="http://schemas.microsoft.com/office/drawing/2016/SVG/main" r:embed="rId7"/>
                 </a:ext>
               </a:extLst>
             </a:blip>
@@ -17662,7 +17602,7 @@
             <a:blip r:embed="rId6">
               <a:extLst>
                 <a:ext uri="{96DAC541-7B7A-43D3-8B79-37D633B846F1}">
-                  <asvg:svgBlip xmlns:asvg="http://schemas.microsoft.com/office/drawing/2016/SVG/main" xmlns="" r:embed="rId7"/>
+                  <asvg:svgBlip xmlns="" xmlns:asvg="http://schemas.microsoft.com/office/drawing/2016/SVG/main" r:embed="rId7"/>
                 </a:ext>
               </a:extLst>
             </a:blip>
@@ -17714,7 +17654,7 @@
             <a:blip r:embed="rId8">
               <a:extLst>
                 <a:ext uri="{96DAC541-7B7A-43D3-8B79-37D633B846F1}">
-                  <asvg:svgBlip xmlns:asvg="http://schemas.microsoft.com/office/drawing/2016/SVG/main" xmlns="" r:embed="rId9"/>
+                  <asvg:svgBlip xmlns="" xmlns:asvg="http://schemas.microsoft.com/office/drawing/2016/SVG/main" r:embed="rId9"/>
                 </a:ext>
               </a:extLst>
             </a:blip>
@@ -17766,7 +17706,7 @@
             <a:blip r:embed="rId6">
               <a:extLst>
                 <a:ext uri="{96DAC541-7B7A-43D3-8B79-37D633B846F1}">
-                  <asvg:svgBlip xmlns:asvg="http://schemas.microsoft.com/office/drawing/2016/SVG/main" xmlns="" r:embed="rId7"/>
+                  <asvg:svgBlip xmlns="" xmlns:asvg="http://schemas.microsoft.com/office/drawing/2016/SVG/main" r:embed="rId7"/>
                 </a:ext>
               </a:extLst>
             </a:blip>
@@ -17818,7 +17758,7 @@
             <a:blip r:embed="rId8">
               <a:extLst>
                 <a:ext uri="{96DAC541-7B7A-43D3-8B79-37D633B846F1}">
-                  <asvg:svgBlip xmlns:asvg="http://schemas.microsoft.com/office/drawing/2016/SVG/main" xmlns="" r:embed="rId9"/>
+                  <asvg:svgBlip xmlns="" xmlns:asvg="http://schemas.microsoft.com/office/drawing/2016/SVG/main" r:embed="rId9"/>
                 </a:ext>
               </a:extLst>
             </a:blip>
@@ -17870,7 +17810,7 @@
             <a:blip r:embed="rId4">
               <a:extLst>
                 <a:ext uri="{96DAC541-7B7A-43D3-8B79-37D633B846F1}">
-                  <asvg:svgBlip xmlns:asvg="http://schemas.microsoft.com/office/drawing/2016/SVG/main" xmlns="" r:embed="rId5"/>
+                  <asvg:svgBlip xmlns="" xmlns:asvg="http://schemas.microsoft.com/office/drawing/2016/SVG/main" r:embed="rId5"/>
                 </a:ext>
               </a:extLst>
             </a:blip>
@@ -17922,7 +17862,7 @@
             <a:blip r:embed="rId8">
               <a:extLst>
                 <a:ext uri="{96DAC541-7B7A-43D3-8B79-37D633B846F1}">
-                  <asvg:svgBlip xmlns:asvg="http://schemas.microsoft.com/office/drawing/2016/SVG/main" xmlns="" r:embed="rId9"/>
+                  <asvg:svgBlip xmlns="" xmlns:asvg="http://schemas.microsoft.com/office/drawing/2016/SVG/main" r:embed="rId9"/>
                 </a:ext>
               </a:extLst>
             </a:blip>
@@ -17974,7 +17914,7 @@
             <a:blip r:embed="rId6">
               <a:extLst>
                 <a:ext uri="{96DAC541-7B7A-43D3-8B79-37D633B846F1}">
-                  <asvg:svgBlip xmlns:asvg="http://schemas.microsoft.com/office/drawing/2016/SVG/main" xmlns="" r:embed="rId7"/>
+                  <asvg:svgBlip xmlns="" xmlns:asvg="http://schemas.microsoft.com/office/drawing/2016/SVG/main" r:embed="rId7"/>
                 </a:ext>
               </a:extLst>
             </a:blip>
@@ -18715,7 +18655,7 @@
             <a:blip r:embed="rId2">
               <a:extLst>
                 <a:ext uri="{96DAC541-7B7A-43D3-8B79-37D633B846F1}">
-                  <asvg:svgBlip xmlns:asvg="http://schemas.microsoft.com/office/drawing/2016/SVG/main" xmlns="" r:embed="rId3"/>
+                  <asvg:svgBlip xmlns="" xmlns:asvg="http://schemas.microsoft.com/office/drawing/2016/SVG/main" r:embed="rId3"/>
                 </a:ext>
               </a:extLst>
             </a:blip>
@@ -18767,7 +18707,7 @@
             <a:blip r:embed="rId4">
               <a:extLst>
                 <a:ext uri="{96DAC541-7B7A-43D3-8B79-37D633B846F1}">
-                  <asvg:svgBlip xmlns:asvg="http://schemas.microsoft.com/office/drawing/2016/SVG/main" xmlns="" r:embed="rId5"/>
+                  <asvg:svgBlip xmlns="" xmlns:asvg="http://schemas.microsoft.com/office/drawing/2016/SVG/main" r:embed="rId5"/>
                 </a:ext>
               </a:extLst>
             </a:blip>
@@ -18819,7 +18759,7 @@
             <a:blip r:embed="rId4">
               <a:extLst>
                 <a:ext uri="{96DAC541-7B7A-43D3-8B79-37D633B846F1}">
-                  <asvg:svgBlip xmlns:asvg="http://schemas.microsoft.com/office/drawing/2016/SVG/main" xmlns="" r:embed="rId5"/>
+                  <asvg:svgBlip xmlns="" xmlns:asvg="http://schemas.microsoft.com/office/drawing/2016/SVG/main" r:embed="rId5"/>
                 </a:ext>
               </a:extLst>
             </a:blip>
@@ -18871,7 +18811,7 @@
             <a:blip r:embed="rId6">
               <a:extLst>
                 <a:ext uri="{96DAC541-7B7A-43D3-8B79-37D633B846F1}">
-                  <asvg:svgBlip xmlns:asvg="http://schemas.microsoft.com/office/drawing/2016/SVG/main" xmlns="" r:embed="rId7"/>
+                  <asvg:svgBlip xmlns="" xmlns:asvg="http://schemas.microsoft.com/office/drawing/2016/SVG/main" r:embed="rId7"/>
                 </a:ext>
               </a:extLst>
             </a:blip>
@@ -18923,7 +18863,7 @@
             <a:blip r:embed="rId2">
               <a:extLst>
                 <a:ext uri="{96DAC541-7B7A-43D3-8B79-37D633B846F1}">
-                  <asvg:svgBlip xmlns:asvg="http://schemas.microsoft.com/office/drawing/2016/SVG/main" xmlns="" r:embed="rId3"/>
+                  <asvg:svgBlip xmlns="" xmlns:asvg="http://schemas.microsoft.com/office/drawing/2016/SVG/main" r:embed="rId3"/>
                 </a:ext>
               </a:extLst>
             </a:blip>
@@ -19701,7 +19641,7 @@
             <a:blip r:embed="rId2">
               <a:extLst>
                 <a:ext uri="{96DAC541-7B7A-43D3-8B79-37D633B846F1}">
-                  <asvg:svgBlip xmlns:asvg="http://schemas.microsoft.com/office/drawing/2016/SVG/main" xmlns="" r:embed="rId3"/>
+                  <asvg:svgBlip xmlns="" xmlns:asvg="http://schemas.microsoft.com/office/drawing/2016/SVG/main" r:embed="rId3"/>
                 </a:ext>
               </a:extLst>
             </a:blip>
@@ -19753,7 +19693,7 @@
             <a:blip r:embed="rId4">
               <a:extLst>
                 <a:ext uri="{96DAC541-7B7A-43D3-8B79-37D633B846F1}">
-                  <asvg:svgBlip xmlns:asvg="http://schemas.microsoft.com/office/drawing/2016/SVG/main" xmlns="" r:embed="rId5"/>
+                  <asvg:svgBlip xmlns="" xmlns:asvg="http://schemas.microsoft.com/office/drawing/2016/SVG/main" r:embed="rId5"/>
                 </a:ext>
               </a:extLst>
             </a:blip>
@@ -19805,7 +19745,7 @@
             <a:blip r:embed="rId4">
               <a:extLst>
                 <a:ext uri="{96DAC541-7B7A-43D3-8B79-37D633B846F1}">
-                  <asvg:svgBlip xmlns:asvg="http://schemas.microsoft.com/office/drawing/2016/SVG/main" xmlns="" r:embed="rId5"/>
+                  <asvg:svgBlip xmlns="" xmlns:asvg="http://schemas.microsoft.com/office/drawing/2016/SVG/main" r:embed="rId5"/>
                 </a:ext>
               </a:extLst>
             </a:blip>
@@ -19857,7 +19797,7 @@
             <a:blip r:embed="rId6">
               <a:extLst>
                 <a:ext uri="{96DAC541-7B7A-43D3-8B79-37D633B846F1}">
-                  <asvg:svgBlip xmlns:asvg="http://schemas.microsoft.com/office/drawing/2016/SVG/main" xmlns="" r:embed="rId7"/>
+                  <asvg:svgBlip xmlns="" xmlns:asvg="http://schemas.microsoft.com/office/drawing/2016/SVG/main" r:embed="rId7"/>
                 </a:ext>
               </a:extLst>
             </a:blip>
@@ -19909,7 +19849,7 @@
             <a:blip r:embed="rId2">
               <a:extLst>
                 <a:ext uri="{96DAC541-7B7A-43D3-8B79-37D633B846F1}">
-                  <asvg:svgBlip xmlns:asvg="http://schemas.microsoft.com/office/drawing/2016/SVG/main" xmlns="" r:embed="rId3"/>
+                  <asvg:svgBlip xmlns="" xmlns:asvg="http://schemas.microsoft.com/office/drawing/2016/SVG/main" r:embed="rId3"/>
                 </a:ext>
               </a:extLst>
             </a:blip>
@@ -20722,7 +20662,7 @@
             <a:blip r:embed="rId2">
               <a:extLst>
                 <a:ext uri="{96DAC541-7B7A-43D3-8B79-37D633B846F1}">
-                  <asvg:svgBlip xmlns:asvg="http://schemas.microsoft.com/office/drawing/2016/SVG/main" xmlns="" r:embed="rId3"/>
+                  <asvg:svgBlip xmlns="" xmlns:asvg="http://schemas.microsoft.com/office/drawing/2016/SVG/main" r:embed="rId3"/>
                 </a:ext>
               </a:extLst>
             </a:blip>
@@ -20774,7 +20714,7 @@
             <a:blip r:embed="rId4">
               <a:extLst>
                 <a:ext uri="{96DAC541-7B7A-43D3-8B79-37D633B846F1}">
-                  <asvg:svgBlip xmlns:asvg="http://schemas.microsoft.com/office/drawing/2016/SVG/main" xmlns="" r:embed="rId5"/>
+                  <asvg:svgBlip xmlns="" xmlns:asvg="http://schemas.microsoft.com/office/drawing/2016/SVG/main" r:embed="rId5"/>
                 </a:ext>
               </a:extLst>
             </a:blip>
@@ -20826,7 +20766,7 @@
             <a:blip r:embed="rId4">
               <a:extLst>
                 <a:ext uri="{96DAC541-7B7A-43D3-8B79-37D633B846F1}">
-                  <asvg:svgBlip xmlns:asvg="http://schemas.microsoft.com/office/drawing/2016/SVG/main" xmlns="" r:embed="rId5"/>
+                  <asvg:svgBlip xmlns="" xmlns:asvg="http://schemas.microsoft.com/office/drawing/2016/SVG/main" r:embed="rId5"/>
                 </a:ext>
               </a:extLst>
             </a:blip>
@@ -20878,7 +20818,7 @@
             <a:blip r:embed="rId6">
               <a:extLst>
                 <a:ext uri="{96DAC541-7B7A-43D3-8B79-37D633B846F1}">
-                  <asvg:svgBlip xmlns:asvg="http://schemas.microsoft.com/office/drawing/2016/SVG/main" xmlns="" r:embed="rId7"/>
+                  <asvg:svgBlip xmlns="" xmlns:asvg="http://schemas.microsoft.com/office/drawing/2016/SVG/main" r:embed="rId7"/>
                 </a:ext>
               </a:extLst>
             </a:blip>
@@ -20930,7 +20870,7 @@
             <a:blip r:embed="rId2">
               <a:extLst>
                 <a:ext uri="{96DAC541-7B7A-43D3-8B79-37D633B846F1}">
-                  <asvg:svgBlip xmlns:asvg="http://schemas.microsoft.com/office/drawing/2016/SVG/main" xmlns="" r:embed="rId3"/>
+                  <asvg:svgBlip xmlns="" xmlns:asvg="http://schemas.microsoft.com/office/drawing/2016/SVG/main" r:embed="rId3"/>
                 </a:ext>
               </a:extLst>
             </a:blip>
@@ -21873,7 +21813,7 @@
             <a:blip r:embed="rId2">
               <a:extLst>
                 <a:ext uri="{96DAC541-7B7A-43D3-8B79-37D633B846F1}">
-                  <asvg:svgBlip xmlns:asvg="http://schemas.microsoft.com/office/drawing/2016/SVG/main" xmlns="" r:embed="rId3"/>
+                  <asvg:svgBlip xmlns="" xmlns:asvg="http://schemas.microsoft.com/office/drawing/2016/SVG/main" r:embed="rId3"/>
                 </a:ext>
               </a:extLst>
             </a:blip>
@@ -21925,7 +21865,7 @@
             <a:blip r:embed="rId4">
               <a:extLst>
                 <a:ext uri="{96DAC541-7B7A-43D3-8B79-37D633B846F1}">
-                  <asvg:svgBlip xmlns:asvg="http://schemas.microsoft.com/office/drawing/2016/SVG/main" xmlns="" r:embed="rId5"/>
+                  <asvg:svgBlip xmlns="" xmlns:asvg="http://schemas.microsoft.com/office/drawing/2016/SVG/main" r:embed="rId5"/>
                 </a:ext>
               </a:extLst>
             </a:blip>
@@ -21977,7 +21917,7 @@
             <a:blip r:embed="rId4">
               <a:extLst>
                 <a:ext uri="{96DAC541-7B7A-43D3-8B79-37D633B846F1}">
-                  <asvg:svgBlip xmlns:asvg="http://schemas.microsoft.com/office/drawing/2016/SVG/main" xmlns="" r:embed="rId5"/>
+                  <asvg:svgBlip xmlns="" xmlns:asvg="http://schemas.microsoft.com/office/drawing/2016/SVG/main" r:embed="rId5"/>
                 </a:ext>
               </a:extLst>
             </a:blip>
@@ -22029,7 +21969,7 @@
             <a:blip r:embed="rId6">
               <a:extLst>
                 <a:ext uri="{96DAC541-7B7A-43D3-8B79-37D633B846F1}">
-                  <asvg:svgBlip xmlns:asvg="http://schemas.microsoft.com/office/drawing/2016/SVG/main" xmlns="" r:embed="rId7"/>
+                  <asvg:svgBlip xmlns="" xmlns:asvg="http://schemas.microsoft.com/office/drawing/2016/SVG/main" r:embed="rId7"/>
                 </a:ext>
               </a:extLst>
             </a:blip>
@@ -22081,7 +22021,7 @@
             <a:blip r:embed="rId2">
               <a:extLst>
                 <a:ext uri="{96DAC541-7B7A-43D3-8B79-37D633B846F1}">
-                  <asvg:svgBlip xmlns:asvg="http://schemas.microsoft.com/office/drawing/2016/SVG/main" xmlns="" r:embed="rId3"/>
+                  <asvg:svgBlip xmlns="" xmlns:asvg="http://schemas.microsoft.com/office/drawing/2016/SVG/main" r:embed="rId3"/>
                 </a:ext>
               </a:extLst>
             </a:blip>
@@ -22891,7 +22831,7 @@
             <a:blip r:embed="rId2">
               <a:extLst>
                 <a:ext uri="{96DAC541-7B7A-43D3-8B79-37D633B846F1}">
-                  <asvg:svgBlip xmlns:asvg="http://schemas.microsoft.com/office/drawing/2016/SVG/main" xmlns="" r:embed="rId3"/>
+                  <asvg:svgBlip xmlns="" xmlns:asvg="http://schemas.microsoft.com/office/drawing/2016/SVG/main" r:embed="rId3"/>
                 </a:ext>
               </a:extLst>
             </a:blip>
@@ -22943,7 +22883,7 @@
             <a:blip r:embed="rId4">
               <a:extLst>
                 <a:ext uri="{96DAC541-7B7A-43D3-8B79-37D633B846F1}">
-                  <asvg:svgBlip xmlns:asvg="http://schemas.microsoft.com/office/drawing/2016/SVG/main" xmlns="" r:embed="rId5"/>
+                  <asvg:svgBlip xmlns="" xmlns:asvg="http://schemas.microsoft.com/office/drawing/2016/SVG/main" r:embed="rId5"/>
                 </a:ext>
               </a:extLst>
             </a:blip>
@@ -22995,7 +22935,7 @@
             <a:blip r:embed="rId4">
               <a:extLst>
                 <a:ext uri="{96DAC541-7B7A-43D3-8B79-37D633B846F1}">
-                  <asvg:svgBlip xmlns:asvg="http://schemas.microsoft.com/office/drawing/2016/SVG/main" xmlns="" r:embed="rId5"/>
+                  <asvg:svgBlip xmlns="" xmlns:asvg="http://schemas.microsoft.com/office/drawing/2016/SVG/main" r:embed="rId5"/>
                 </a:ext>
               </a:extLst>
             </a:blip>
@@ -23047,7 +22987,7 @@
             <a:blip r:embed="rId6">
               <a:extLst>
                 <a:ext uri="{96DAC541-7B7A-43D3-8B79-37D633B846F1}">
-                  <asvg:svgBlip xmlns:asvg="http://schemas.microsoft.com/office/drawing/2016/SVG/main" xmlns="" r:embed="rId7"/>
+                  <asvg:svgBlip xmlns="" xmlns:asvg="http://schemas.microsoft.com/office/drawing/2016/SVG/main" r:embed="rId7"/>
                 </a:ext>
               </a:extLst>
             </a:blip>
@@ -23099,7 +23039,7 @@
             <a:blip r:embed="rId2">
               <a:extLst>
                 <a:ext uri="{96DAC541-7B7A-43D3-8B79-37D633B846F1}">
-                  <asvg:svgBlip xmlns:asvg="http://schemas.microsoft.com/office/drawing/2016/SVG/main" xmlns="" r:embed="rId3"/>
+                  <asvg:svgBlip xmlns="" xmlns:asvg="http://schemas.microsoft.com/office/drawing/2016/SVG/main" r:embed="rId3"/>
                 </a:ext>
               </a:extLst>
             </a:blip>
